--- a/figs/case.pptx
+++ b/figs/case.pptx
@@ -104,6 +104,11 @@
       </a:defRPr>
     </a:lvl9pPr>
   </p:defaultTextStyle>
+  <p:extLst>
+    <p:ext uri="{EFAFB233-063F-42B5-8137-9DF3F51BA10A}">
+      <p15:sldGuideLst xmlns:p15="http://schemas.microsoft.com/office/powerpoint/2012/main"/>
+    </p:ext>
+  </p:extLst>
 </p:presentation>
 </file>
 
@@ -238,7 +243,7 @@
           <a:p>
             <a:fld id="{A264A71C-CB4D-470F-97E3-5D1F8F8B6B9B}" type="datetimeFigureOut">
               <a:rPr lang="en-US" smtClean="0"/>
-              <a:t>4/23/2015</a:t>
+              <a:t>5/1/2015</a:t>
             </a:fld>
             <a:endParaRPr lang="en-US"/>
           </a:p>
@@ -408,7 +413,7 @@
           <a:p>
             <a:fld id="{A264A71C-CB4D-470F-97E3-5D1F8F8B6B9B}" type="datetimeFigureOut">
               <a:rPr lang="en-US" smtClean="0"/>
-              <a:t>4/23/2015</a:t>
+              <a:t>5/1/2015</a:t>
             </a:fld>
             <a:endParaRPr lang="en-US"/>
           </a:p>
@@ -588,7 +593,7 @@
           <a:p>
             <a:fld id="{A264A71C-CB4D-470F-97E3-5D1F8F8B6B9B}" type="datetimeFigureOut">
               <a:rPr lang="en-US" smtClean="0"/>
-              <a:t>4/23/2015</a:t>
+              <a:t>5/1/2015</a:t>
             </a:fld>
             <a:endParaRPr lang="en-US"/>
           </a:p>
@@ -758,7 +763,7 @@
           <a:p>
             <a:fld id="{A264A71C-CB4D-470F-97E3-5D1F8F8B6B9B}" type="datetimeFigureOut">
               <a:rPr lang="en-US" smtClean="0"/>
-              <a:t>4/23/2015</a:t>
+              <a:t>5/1/2015</a:t>
             </a:fld>
             <a:endParaRPr lang="en-US"/>
           </a:p>
@@ -1004,7 +1009,7 @@
           <a:p>
             <a:fld id="{A264A71C-CB4D-470F-97E3-5D1F8F8B6B9B}" type="datetimeFigureOut">
               <a:rPr lang="en-US" smtClean="0"/>
-              <a:t>4/23/2015</a:t>
+              <a:t>5/1/2015</a:t>
             </a:fld>
             <a:endParaRPr lang="en-US"/>
           </a:p>
@@ -1236,7 +1241,7 @@
           <a:p>
             <a:fld id="{A264A71C-CB4D-470F-97E3-5D1F8F8B6B9B}" type="datetimeFigureOut">
               <a:rPr lang="en-US" smtClean="0"/>
-              <a:t>4/23/2015</a:t>
+              <a:t>5/1/2015</a:t>
             </a:fld>
             <a:endParaRPr lang="en-US"/>
           </a:p>
@@ -1603,7 +1608,7 @@
           <a:p>
             <a:fld id="{A264A71C-CB4D-470F-97E3-5D1F8F8B6B9B}" type="datetimeFigureOut">
               <a:rPr lang="en-US" smtClean="0"/>
-              <a:t>4/23/2015</a:t>
+              <a:t>5/1/2015</a:t>
             </a:fld>
             <a:endParaRPr lang="en-US"/>
           </a:p>
@@ -1721,7 +1726,7 @@
           <a:p>
             <a:fld id="{A264A71C-CB4D-470F-97E3-5D1F8F8B6B9B}" type="datetimeFigureOut">
               <a:rPr lang="en-US" smtClean="0"/>
-              <a:t>4/23/2015</a:t>
+              <a:t>5/1/2015</a:t>
             </a:fld>
             <a:endParaRPr lang="en-US"/>
           </a:p>
@@ -1816,7 +1821,7 @@
           <a:p>
             <a:fld id="{A264A71C-CB4D-470F-97E3-5D1F8F8B6B9B}" type="datetimeFigureOut">
               <a:rPr lang="en-US" smtClean="0"/>
-              <a:t>4/23/2015</a:t>
+              <a:t>5/1/2015</a:t>
             </a:fld>
             <a:endParaRPr lang="en-US"/>
           </a:p>
@@ -2093,7 +2098,7 @@
           <a:p>
             <a:fld id="{A264A71C-CB4D-470F-97E3-5D1F8F8B6B9B}" type="datetimeFigureOut">
               <a:rPr lang="en-US" smtClean="0"/>
-              <a:t>4/23/2015</a:t>
+              <a:t>5/1/2015</a:t>
             </a:fld>
             <a:endParaRPr lang="en-US"/>
           </a:p>
@@ -2346,7 +2351,7 @@
           <a:p>
             <a:fld id="{A264A71C-CB4D-470F-97E3-5D1F8F8B6B9B}" type="datetimeFigureOut">
               <a:rPr lang="en-US" smtClean="0"/>
-              <a:t>4/23/2015</a:t>
+              <a:t>5/1/2015</a:t>
             </a:fld>
             <a:endParaRPr lang="en-US"/>
           </a:p>
@@ -2559,7 +2564,7 @@
           <a:p>
             <a:fld id="{A264A71C-CB4D-470F-97E3-5D1F8F8B6B9B}" type="datetimeFigureOut">
               <a:rPr lang="en-US" smtClean="0"/>
-              <a:t>4/23/2015</a:t>
+              <a:t>5/1/2015</a:t>
             </a:fld>
             <a:endParaRPr lang="en-US"/>
           </a:p>
@@ -6030,7 +6035,7 @@
             <p:spPr>
               <a:xfrm>
                 <a:off x="1878104" y="2560265"/>
-                <a:ext cx="427938" cy="276999"/>
+                <a:ext cx="492058" cy="276999"/>
               </a:xfrm>
               <a:prstGeom prst="rect">
                 <a:avLst/>
@@ -6043,6 +6048,7 @@
               </a:bodyPr>
               <a:lstStyle/>
               <a:p>
+                <a:pPr/>
                 <a14:m>
                   <m:oMathPara xmlns:m="http://schemas.openxmlformats.org/officeDocument/2006/math">
                     <m:oMathParaPr>
@@ -6058,7 +6064,7 @@
                       <m:sSub>
                         <m:sSubPr>
                           <m:ctrlPr>
-                            <a:rPr lang="en-US" b="1" smtClean="0">
+                            <a:rPr lang="en-US" b="1" i="1" smtClean="0">
                               <a:latin typeface="Cambria Math" panose="02040503050406030204" pitchFamily="18" charset="0"/>
                             </a:rPr>
                           </m:ctrlPr>
@@ -6077,6 +6083,12 @@
                               <a:latin typeface="Cambria Math" panose="02040503050406030204" pitchFamily="18" charset="0"/>
                             </a:rPr>
                             <m:t>𝐚</m:t>
+                          </m:r>
+                          <m:r>
+                            <a:rPr lang="en-US" b="1" i="0" smtClean="0">
+                              <a:latin typeface="Cambria Math" panose="02040503050406030204" pitchFamily="18" charset="0"/>
+                            </a:rPr>
+                            <m:t>𝐭</m:t>
                           </m:r>
                         </m:sub>
                       </m:sSub>
@@ -6100,7 +6112,7 @@
             <p:spPr>
               <a:xfrm>
                 <a:off x="1878104" y="2560265"/>
-                <a:ext cx="427938" cy="276999"/>
+                <a:ext cx="492058" cy="276999"/>
               </a:xfrm>
               <a:prstGeom prst="rect">
                 <a:avLst/>
@@ -6108,7 +6120,7 @@
               <a:blipFill rotWithShape="0">
                 <a:blip r:embed="rId2"/>
                 <a:stretch>
-                  <a:fillRect l="-11429" r="-4286" b="-11111"/>
+                  <a:fillRect l="-9877" r="-3704" b="-15556"/>
                 </a:stretch>
               </a:blipFill>
             </p:spPr>
@@ -6138,7 +6150,7 @@
             <p:spPr>
               <a:xfrm>
                 <a:off x="4649078" y="2542862"/>
-                <a:ext cx="437556" cy="276999"/>
+                <a:ext cx="665182" cy="276999"/>
               </a:xfrm>
               <a:prstGeom prst="rect">
                 <a:avLst/>
@@ -6151,6 +6163,7 @@
               </a:bodyPr>
               <a:lstStyle/>
               <a:p>
+                <a:pPr/>
                 <a14:m>
                   <m:oMathPara xmlns:m="http://schemas.openxmlformats.org/officeDocument/2006/math">
                     <m:oMathParaPr>
@@ -6166,7 +6179,7 @@
                       <m:sSub>
                         <m:sSubPr>
                           <m:ctrlPr>
-                            <a:rPr lang="en-US" b="1" smtClean="0">
+                            <a:rPr lang="en-US" b="1" i="1" smtClean="0">
                               <a:latin typeface="Cambria Math" panose="02040503050406030204" pitchFamily="18" charset="0"/>
                             </a:rPr>
                           </m:ctrlPr>
@@ -6181,10 +6194,10 @@
                         </m:e>
                         <m:sub>
                           <m:r>
-                            <a:rPr lang="en-US" b="1" i="0" smtClean="0">
+                            <a:rPr lang="en-US" b="1" i="1" smtClean="0">
                               <a:latin typeface="Cambria Math" panose="02040503050406030204" pitchFamily="18" charset="0"/>
                             </a:rPr>
-                            <m:t>𝐛</m:t>
+                            <m:t>𝑷𝑽𝑪</m:t>
                           </m:r>
                         </m:sub>
                       </m:sSub>
@@ -6208,7 +6221,7 @@
             <p:spPr>
               <a:xfrm>
                 <a:off x="4649078" y="2542862"/>
-                <a:ext cx="437556" cy="276999"/>
+                <a:ext cx="665182" cy="276999"/>
               </a:xfrm>
               <a:prstGeom prst="rect">
                 <a:avLst/>
@@ -6216,7 +6229,7 @@
               <a:blipFill rotWithShape="0">
                 <a:blip r:embed="rId3"/>
                 <a:stretch>
-                  <a:fillRect l="-12676" r="-8451" b="-17391"/>
+                  <a:fillRect l="-8257" r="-4587" b="-15217"/>
                 </a:stretch>
               </a:blipFill>
             </p:spPr>
@@ -6246,7 +6259,7 @@
             <p:spPr>
               <a:xfrm>
                 <a:off x="7293880" y="2560265"/>
-                <a:ext cx="416716" cy="276999"/>
+                <a:ext cx="498470" cy="276999"/>
               </a:xfrm>
               <a:prstGeom prst="rect">
                 <a:avLst/>
@@ -6259,6 +6272,7 @@
               </a:bodyPr>
               <a:lstStyle/>
               <a:p>
+                <a:pPr/>
                 <a14:m>
                   <m:oMathPara xmlns:m="http://schemas.openxmlformats.org/officeDocument/2006/math">
                     <m:oMathParaPr>
@@ -6274,7 +6288,7 @@
                       <m:sSub>
                         <m:sSubPr>
                           <m:ctrlPr>
-                            <a:rPr lang="en-US" b="1" smtClean="0">
+                            <a:rPr lang="en-US" b="1" i="1" smtClean="0">
                               <a:latin typeface="Cambria Math" panose="02040503050406030204" pitchFamily="18" charset="0"/>
                             </a:rPr>
                           </m:ctrlPr>
@@ -6292,7 +6306,7 @@
                             <a:rPr lang="en-US" b="1" i="0" smtClean="0">
                               <a:latin typeface="Cambria Math" panose="02040503050406030204" pitchFamily="18" charset="0"/>
                             </a:rPr>
-                            <m:t>𝐜</m:t>
+                            <m:t>𝐚𝐟</m:t>
                           </m:r>
                         </m:sub>
                       </m:sSub>
@@ -6316,7 +6330,7 @@
             <p:spPr>
               <a:xfrm>
                 <a:off x="7293880" y="2560265"/>
-                <a:ext cx="416716" cy="276999"/>
+                <a:ext cx="498470" cy="276999"/>
               </a:xfrm>
               <a:prstGeom prst="rect">
                 <a:avLst/>
@@ -6324,7 +6338,7 @@
               <a:blipFill rotWithShape="0">
                 <a:blip r:embed="rId4"/>
                 <a:stretch>
-                  <a:fillRect l="-13235" r="-2941" b="-11111"/>
+                  <a:fillRect l="-11111" r="-6173" b="-17778"/>
                 </a:stretch>
               </a:blipFill>
             </p:spPr>
